--- a/Documents/6조 2주차 발표 자료.pptx
+++ b/Documents/6조 2주차 발표 자료.pptx
@@ -5,7 +5,7 @@
     <p:sldMasterId id="2147483648" r:id="rId1"/>
   </p:sldMasterIdLst>
   <p:notesMasterIdLst>
-    <p:notesMasterId r:id="rId14"/>
+    <p:notesMasterId r:id="rId15"/>
   </p:notesMasterIdLst>
   <p:sldIdLst>
     <p:sldId id="256" r:id="rId2"/>
@@ -19,7 +19,8 @@
     <p:sldId id="271" r:id="rId10"/>
     <p:sldId id="268" r:id="rId11"/>
     <p:sldId id="272" r:id="rId12"/>
-    <p:sldId id="260" r:id="rId13"/>
+    <p:sldId id="276" r:id="rId13"/>
+    <p:sldId id="260" r:id="rId14"/>
   </p:sldIdLst>
   <p:sldSz cx="9144000" cy="5143500" type="screen16x9"/>
   <p:notesSz cx="6858000" cy="9144000"/>
@@ -141,6 +142,7 @@
 <p1510:revInfo xmlns:a="http://schemas.openxmlformats.org/drawingml/2006/main" xmlns:r="http://schemas.openxmlformats.org/officeDocument/2006/relationships" xmlns:p1510="http://schemas.microsoft.com/office/powerpoint/2015/10/main">
   <p1510:revLst>
     <p1510:client id="{924DF491-F9E5-417F-B692-0561B5EBE44B}" v="701" dt="2019-03-11T09:41:17.811"/>
+    <p1510:client id="{1771BF1A-3D01-493D-8611-10CED82B70F1}" v="45" dt="2019-03-11T09:51:51.620"/>
   </p1510:revLst>
 </p1510:revInfo>
 </file>
@@ -685,6 +687,90 @@
     <p:extLst>
       <p:ext uri="{BB962C8B-B14F-4D97-AF65-F5344CB8AC3E}">
         <p14:creationId xmlns:p14="http://schemas.microsoft.com/office/powerpoint/2010/main" val="3204891184"/>
+      </p:ext>
+    </p:extLst>
+  </p:cSld>
+  <p:clrMapOvr>
+    <a:masterClrMapping/>
+  </p:clrMapOvr>
+</p:notes>
+</file>
+
+<file path=ppt/notesSlides/notesSlide3.xml><?xml version="1.0" encoding="utf-8"?>
+<p:notes xmlns:a="http://schemas.openxmlformats.org/drawingml/2006/main" xmlns:r="http://schemas.openxmlformats.org/officeDocument/2006/relationships" xmlns:p="http://schemas.openxmlformats.org/presentationml/2006/main">
+  <p:cSld>
+    <p:spTree>
+      <p:nvGrpSpPr>
+        <p:cNvPr id="1" name=""/>
+        <p:cNvGrpSpPr/>
+        <p:nvPr/>
+      </p:nvGrpSpPr>
+      <p:grpSpPr>
+        <a:xfrm>
+          <a:off x="0" y="0"/>
+          <a:ext cx="0" cy="0"/>
+          <a:chOff x="0" y="0"/>
+          <a:chExt cx="0" cy="0"/>
+        </a:xfrm>
+      </p:grpSpPr>
+      <p:sp>
+        <p:nvSpPr>
+          <p:cNvPr id="2" name="슬라이드 이미지 개체 틀 1"/>
+          <p:cNvSpPr>
+            <a:spLocks noGrp="1" noRot="1" noChangeAspect="1"/>
+          </p:cNvSpPr>
+          <p:nvPr>
+            <p:ph type="sldImg"/>
+          </p:nvPr>
+        </p:nvSpPr>
+        <p:spPr/>
+      </p:sp>
+      <p:sp>
+        <p:nvSpPr>
+          <p:cNvPr id="3" name="슬라이드 노트 개체 틀 2"/>
+          <p:cNvSpPr>
+            <a:spLocks noGrp="1"/>
+          </p:cNvSpPr>
+          <p:nvPr>
+            <p:ph type="body" idx="1"/>
+          </p:nvPr>
+        </p:nvSpPr>
+        <p:spPr/>
+        <p:txBody>
+          <a:bodyPr/>
+          <a:lstStyle/>
+          <a:p>
+            <a:endParaRPr lang="ko-KR" altLang="en-US" dirty="0"/>
+          </a:p>
+        </p:txBody>
+      </p:sp>
+      <p:sp>
+        <p:nvSpPr>
+          <p:cNvPr id="4" name="슬라이드 번호 개체 틀 3"/>
+          <p:cNvSpPr>
+            <a:spLocks noGrp="1"/>
+          </p:cNvSpPr>
+          <p:nvPr>
+            <p:ph type="sldNum" sz="quarter" idx="5"/>
+          </p:nvPr>
+        </p:nvSpPr>
+        <p:spPr/>
+        <p:txBody>
+          <a:bodyPr/>
+          <a:lstStyle/>
+          <a:p>
+            <a:fld id="{C263AF9A-6E76-4CCC-89CF-B04065708FB7}" type="slidenum">
+              <a:rPr lang="en-US" smtClean="0"/>
+              <a:t>8</a:t>
+            </a:fld>
+            <a:endParaRPr lang="en-US"/>
+          </a:p>
+        </p:txBody>
+      </p:sp>
+    </p:spTree>
+    <p:extLst>
+      <p:ext uri="{BB962C8B-B14F-4D97-AF65-F5344CB8AC3E}">
+        <p14:creationId xmlns:p14="http://schemas.microsoft.com/office/powerpoint/2010/main" val="2493655499"/>
       </p:ext>
     </p:extLst>
   </p:cSld>
@@ -16658,6 +16744,100 @@
       </p:grpSpPr>
       <p:sp>
         <p:nvSpPr>
+          <p:cNvPr id="2" name="제목 1">
+            <a:extLst>
+              <a:ext uri="{FF2B5EF4-FFF2-40B4-BE49-F238E27FC236}">
+                <a16:creationId xmlns:a16="http://schemas.microsoft.com/office/drawing/2014/main" id="{665B9CA2-0EE5-4525-96CF-0CA8A22F470E}"/>
+              </a:ext>
+            </a:extLst>
+          </p:cNvPr>
+          <p:cNvSpPr>
+            <a:spLocks noGrp="1"/>
+          </p:cNvSpPr>
+          <p:nvPr>
+            <p:ph type="title"/>
+          </p:nvPr>
+        </p:nvSpPr>
+        <p:spPr/>
+        <p:txBody>
+          <a:bodyPr>
+            <a:normAutofit fontScale="90000"/>
+          </a:bodyPr>
+          <a:lstStyle/>
+          <a:p>
+            <a:r>
+              <a:rPr lang="ko-KR" altLang="en-US" dirty="0"/>
+              <a:t>참고 기사</a:t>
+            </a:r>
+          </a:p>
+        </p:txBody>
+      </p:sp>
+      <p:sp>
+        <p:nvSpPr>
+          <p:cNvPr id="3" name="내용 개체 틀 2">
+            <a:extLst>
+              <a:ext uri="{FF2B5EF4-FFF2-40B4-BE49-F238E27FC236}">
+                <a16:creationId xmlns:a16="http://schemas.microsoft.com/office/drawing/2014/main" id="{A59A4290-987C-4FCB-83E6-8751E1110D28}"/>
+              </a:ext>
+            </a:extLst>
+          </p:cNvPr>
+          <p:cNvSpPr>
+            <a:spLocks noGrp="1"/>
+          </p:cNvSpPr>
+          <p:nvPr>
+            <p:ph idx="1"/>
+          </p:nvPr>
+        </p:nvSpPr>
+        <p:spPr/>
+        <p:txBody>
+          <a:bodyPr/>
+          <a:lstStyle/>
+          <a:p>
+            <a:r>
+              <a:rPr lang="en-US" altLang="ko-KR" dirty="0">
+                <a:hlinkClick r:id="rId2"/>
+              </a:rPr>
+              <a:t>http://www.sisapress.com/news/articleView.html?idxno=176891</a:t>
+            </a:r>
+            <a:endParaRPr lang="ko-KR" altLang="en-US" dirty="0"/>
+          </a:p>
+          <a:p>
+            <a:endParaRPr lang="ko-KR" altLang="en-US" dirty="0"/>
+          </a:p>
+        </p:txBody>
+      </p:sp>
+    </p:spTree>
+    <p:extLst>
+      <p:ext uri="{BB962C8B-B14F-4D97-AF65-F5344CB8AC3E}">
+        <p14:creationId xmlns:p14="http://schemas.microsoft.com/office/powerpoint/2010/main" val="2629633011"/>
+      </p:ext>
+    </p:extLst>
+  </p:cSld>
+  <p:clrMapOvr>
+    <a:masterClrMapping/>
+  </p:clrMapOvr>
+</p:sld>
+</file>
+
+<file path=ppt/slides/slide13.xml><?xml version="1.0" encoding="utf-8"?>
+<p:sld xmlns:a="http://schemas.openxmlformats.org/drawingml/2006/main" xmlns:r="http://schemas.openxmlformats.org/officeDocument/2006/relationships" xmlns:p="http://schemas.openxmlformats.org/presentationml/2006/main">
+  <p:cSld>
+    <p:spTree>
+      <p:nvGrpSpPr>
+        <p:cNvPr id="1" name=""/>
+        <p:cNvGrpSpPr/>
+        <p:nvPr/>
+      </p:nvGrpSpPr>
+      <p:grpSpPr>
+        <a:xfrm>
+          <a:off x="0" y="0"/>
+          <a:ext cx="0" cy="0"/>
+          <a:chOff x="0" y="0"/>
+          <a:chExt cx="0" cy="0"/>
+        </a:xfrm>
+      </p:grpSpPr>
+      <p:sp>
+        <p:nvSpPr>
           <p:cNvPr id="4" name="Title 3"/>
           <p:cNvSpPr>
             <a:spLocks noGrp="1"/>
@@ -17188,10 +17368,15 @@
         </p:spPr>
         <p:txBody>
           <a:bodyPr>
-            <a:normAutofit fontScale="70000" lnSpcReduction="20000"/>
+            <a:normAutofit fontScale="62500" lnSpcReduction="20000"/>
           </a:bodyPr>
           <a:lstStyle/>
           <a:p>
+            <a:pPr>
+              <a:lnSpc>
+                <a:spcPts val="2300"/>
+              </a:lnSpc>
+            </a:pPr>
             <a:r>
               <a:rPr lang="ko-KR" altLang="ko-KR" dirty="0"/>
               <a:t>현재 우리나라에는 시각장애인</a:t>
@@ -17220,11 +17405,19 @@
           </a:p>
           <a:p>
             <a:pPr marL="0" indent="0">
+              <a:lnSpc>
+                <a:spcPts val="2300"/>
+              </a:lnSpc>
               <a:buNone/>
             </a:pPr>
             <a:endParaRPr lang="en-US" altLang="ko-KR" dirty="0"/>
           </a:p>
           <a:p>
+            <a:pPr>
+              <a:lnSpc>
+                <a:spcPts val="2300"/>
+              </a:lnSpc>
+            </a:pPr>
             <a:r>
               <a:rPr lang="ko-KR" altLang="ko-KR" dirty="0"/>
               <a:t>또한 시각장애인 안내 견 또한 숫자가 매우 부족한 실정</a:t>
@@ -17232,9 +17425,19 @@
             <a:endParaRPr lang="en-US" altLang="ko-KR" dirty="0"/>
           </a:p>
           <a:p>
+            <a:pPr>
+              <a:lnSpc>
+                <a:spcPts val="2300"/>
+              </a:lnSpc>
+            </a:pPr>
             <a:endParaRPr lang="en-US" altLang="ko-KR" dirty="0"/>
           </a:p>
           <a:p>
+            <a:pPr>
+              <a:lnSpc>
+                <a:spcPts val="2300"/>
+              </a:lnSpc>
+            </a:pPr>
             <a:r>
               <a:rPr lang="ko-KR" altLang="en-US" dirty="0"/>
               <a:t>스마트폰은 평소에 가지고 다니기 편리하다고 판단하여 스마트폰을 기반으로 어플리케이션을 개발</a:t>
@@ -17242,9 +17445,19 @@
             <a:endParaRPr lang="en-US" altLang="ko-KR" dirty="0"/>
           </a:p>
           <a:p>
+            <a:pPr>
+              <a:lnSpc>
+                <a:spcPts val="2300"/>
+              </a:lnSpc>
+            </a:pPr>
             <a:endParaRPr lang="en-US" altLang="ko-KR" dirty="0"/>
           </a:p>
           <a:p>
+            <a:pPr>
+              <a:lnSpc>
+                <a:spcPts val="2300"/>
+              </a:lnSpc>
+            </a:pPr>
             <a:r>
               <a:rPr lang="ko-KR" altLang="en-US" dirty="0"/>
               <a:t>지난학기에 개발한 내용을 토대로 진행하여</a:t>
@@ -17354,83 +17567,108 @@
         <p:spPr/>
         <p:txBody>
           <a:bodyPr>
-            <a:normAutofit fontScale="85000" lnSpcReduction="10000"/>
+            <a:normAutofit/>
           </a:bodyPr>
           <a:lstStyle/>
           <a:p>
-            <a:r>
-              <a:rPr lang="ko-KR" altLang="ko-KR" dirty="0"/>
+            <a:pPr>
+              <a:lnSpc>
+                <a:spcPts val="2300"/>
+              </a:lnSpc>
+            </a:pPr>
+            <a:r>
+              <a:rPr lang="ko-KR" altLang="ko-KR" sz="1800" dirty="0"/>
               <a:t>기존에 진행했</a:t>
             </a:r>
             <a:r>
-              <a:rPr lang="ko-KR" altLang="en-US" dirty="0"/>
+              <a:rPr lang="ko-KR" altLang="en-US" sz="1800" dirty="0"/>
               <a:t>던</a:t>
             </a:r>
             <a:r>
-              <a:rPr lang="ko-KR" altLang="ko-KR" dirty="0"/>
+              <a:rPr lang="ko-KR" altLang="ko-KR" sz="1800" dirty="0"/>
               <a:t> 프로젝트는 시각장애인이 혼자서 길을 찾는 과정에서 생기는 문제</a:t>
             </a:r>
             <a:r>
-              <a:rPr lang="ko-KR" altLang="en-US" dirty="0"/>
+              <a:rPr lang="ko-KR" altLang="en-US" sz="1800" dirty="0"/>
               <a:t>를 </a:t>
             </a:r>
             <a:r>
-              <a:rPr lang="ko-KR" altLang="ko-KR" dirty="0"/>
+              <a:rPr lang="ko-KR" altLang="ko-KR" sz="1800" dirty="0"/>
               <a:t>파악하고</a:t>
             </a:r>
             <a:r>
-              <a:rPr lang="en-US" altLang="ko-KR" dirty="0"/>
+              <a:rPr lang="en-US" altLang="ko-KR" sz="1800" dirty="0"/>
               <a:t> </a:t>
             </a:r>
             <a:r>
-              <a:rPr lang="ko-KR" altLang="en-US" dirty="0"/>
+              <a:rPr lang="ko-KR" altLang="en-US" sz="1800" dirty="0"/>
               <a:t>해결한다</a:t>
             </a:r>
             <a:r>
-              <a:rPr lang="en-US" altLang="ko-KR" dirty="0"/>
+              <a:rPr lang="en-US" altLang="ko-KR" sz="1800" dirty="0"/>
               <a:t>.</a:t>
             </a:r>
           </a:p>
           <a:p>
-            <a:endParaRPr lang="en-US" altLang="ko-KR" dirty="0"/>
-          </a:p>
-          <a:p>
-            <a:r>
-              <a:rPr lang="ko-KR" altLang="en-US" dirty="0"/>
+            <a:pPr>
+              <a:lnSpc>
+                <a:spcPts val="2300"/>
+              </a:lnSpc>
+            </a:pPr>
+            <a:endParaRPr lang="en-US" altLang="ko-KR" sz="1800" dirty="0"/>
+          </a:p>
+          <a:p>
+            <a:pPr>
+              <a:lnSpc>
+                <a:spcPts val="2300"/>
+              </a:lnSpc>
+            </a:pPr>
+            <a:r>
+              <a:rPr lang="ko-KR" altLang="en-US" sz="1800" dirty="0"/>
               <a:t>추가로 지하철</a:t>
             </a:r>
             <a:r>
-              <a:rPr lang="en-US" altLang="ko-KR" dirty="0"/>
+              <a:rPr lang="en-US" altLang="ko-KR" sz="1800" dirty="0"/>
               <a:t>, </a:t>
             </a:r>
             <a:r>
-              <a:rPr lang="ko-KR" altLang="en-US" dirty="0"/>
+              <a:rPr lang="ko-KR" altLang="en-US" sz="1800" dirty="0"/>
               <a:t>버스를 이용하는 것에서 시각장애인이 겪는 불편함 들을 해소하기 위해서 기능을 추가하여 개발한다</a:t>
             </a:r>
             <a:r>
-              <a:rPr lang="en-US" altLang="ko-KR" dirty="0"/>
+              <a:rPr lang="en-US" altLang="ko-KR" sz="1800" dirty="0"/>
               <a:t>.</a:t>
             </a:r>
-            <a:endParaRPr lang="ko-KR" altLang="ko-KR" dirty="0"/>
-          </a:p>
-          <a:p>
-            <a:endParaRPr lang="en-US" altLang="ko-KR" dirty="0"/>
-          </a:p>
-          <a:p>
-            <a:r>
-              <a:rPr lang="ko-KR" altLang="ko-KR" dirty="0"/>
+            <a:endParaRPr lang="ko-KR" altLang="ko-KR" sz="1800" dirty="0"/>
+          </a:p>
+          <a:p>
+            <a:pPr>
+              <a:lnSpc>
+                <a:spcPts val="2300"/>
+              </a:lnSpc>
+            </a:pPr>
+            <a:endParaRPr lang="en-US" altLang="ko-KR" sz="1800" dirty="0"/>
+          </a:p>
+          <a:p>
+            <a:pPr>
+              <a:lnSpc>
+                <a:spcPts val="2300"/>
+              </a:lnSpc>
+            </a:pPr>
+            <a:r>
+              <a:rPr lang="ko-KR" altLang="ko-KR" sz="1800" dirty="0"/>
               <a:t>하나의 플랫폼으로 통합 및 기능을 추가</a:t>
             </a:r>
             <a:r>
-              <a:rPr lang="en-US" altLang="ko-KR" dirty="0"/>
+              <a:rPr lang="en-US" altLang="ko-KR" sz="1800" dirty="0"/>
               <a:t>.</a:t>
             </a:r>
           </a:p>
           <a:p>
-            <a:endParaRPr lang="en-US" altLang="ko-KR" dirty="0"/>
-          </a:p>
-          <a:p>
-            <a:endParaRPr lang="ko-KR" altLang="en-US" dirty="0"/>
+            <a:endParaRPr lang="en-US" altLang="ko-KR" sz="2000" dirty="0"/>
+          </a:p>
+          <a:p>
+            <a:endParaRPr lang="ko-KR" altLang="en-US" sz="2000" dirty="0"/>
           </a:p>
         </p:txBody>
       </p:sp>
@@ -17625,8 +17863,8 @@
         </p:nvSpPr>
         <p:spPr>
           <a:xfrm>
-            <a:off x="2128720" y="1197406"/>
-            <a:ext cx="7024430" cy="3358356"/>
+            <a:off x="2259031" y="1197405"/>
+            <a:ext cx="6372299" cy="3109742"/>
           </a:xfrm>
         </p:spPr>
         <p:txBody>
@@ -17813,6 +18051,100 @@
           </a:p>
         </p:txBody>
       </p:sp>
+      <p:pic>
+        <p:nvPicPr>
+          <p:cNvPr id="1026" name="Picture 2" descr="ë²ì¤ì ë¥ì¥ì ëí ì´ë¯¸ì§ ê²ìê²°ê³¼">
+            <a:extLst>
+              <a:ext uri="{FF2B5EF4-FFF2-40B4-BE49-F238E27FC236}">
+                <a16:creationId xmlns:a16="http://schemas.microsoft.com/office/drawing/2014/main" id="{6863DB6D-90F7-40C0-9483-A2E2E59F6AA5}"/>
+              </a:ext>
+            </a:extLst>
+          </p:cNvPr>
+          <p:cNvPicPr>
+            <a:picLocks noChangeAspect="1" noChangeArrowheads="1"/>
+          </p:cNvPicPr>
+          <p:nvPr/>
+        </p:nvPicPr>
+        <p:blipFill>
+          <a:blip r:embed="rId2">
+            <a:extLst>
+              <a:ext uri="{28A0092B-C50C-407E-A947-70E740481C1C}">
+                <a14:useLocalDpi xmlns:a14="http://schemas.microsoft.com/office/drawing/2010/main" val="0"/>
+              </a:ext>
+            </a:extLst>
+          </a:blip>
+          <a:srcRect/>
+          <a:stretch>
+            <a:fillRect/>
+          </a:stretch>
+        </p:blipFill>
+        <p:spPr bwMode="auto">
+          <a:xfrm>
+            <a:off x="0" y="2417275"/>
+            <a:ext cx="4079140" cy="2726225"/>
+          </a:xfrm>
+          <a:prstGeom prst="rect">
+            <a:avLst/>
+          </a:prstGeom>
+          <a:noFill/>
+          <a:extLst>
+            <a:ext uri="{909E8E84-426E-40DD-AFC4-6F175D3DCCD1}">
+              <a14:hiddenFill xmlns:a14="http://schemas.microsoft.com/office/drawing/2010/main">
+                <a:solidFill>
+                  <a:srgbClr val="FFFFFF"/>
+                </a:solidFill>
+              </a14:hiddenFill>
+            </a:ext>
+          </a:extLst>
+        </p:spPr>
+      </p:pic>
+      <p:pic>
+        <p:nvPicPr>
+          <p:cNvPr id="1028" name="Picture 4" descr="ì§íì²  ì¹ê°ì¥ì ëí ì´ë¯¸ì§ ê²ìê²°ê³¼">
+            <a:extLst>
+              <a:ext uri="{FF2B5EF4-FFF2-40B4-BE49-F238E27FC236}">
+                <a16:creationId xmlns:a16="http://schemas.microsoft.com/office/drawing/2014/main" id="{515C0112-C628-4974-B905-BF0FEB0644C3}"/>
+              </a:ext>
+            </a:extLst>
+          </p:cNvPr>
+          <p:cNvPicPr>
+            <a:picLocks noChangeAspect="1" noChangeArrowheads="1"/>
+          </p:cNvPicPr>
+          <p:nvPr/>
+        </p:nvPicPr>
+        <p:blipFill>
+          <a:blip r:embed="rId3">
+            <a:extLst>
+              <a:ext uri="{28A0092B-C50C-407E-A947-70E740481C1C}">
+                <a14:useLocalDpi xmlns:a14="http://schemas.microsoft.com/office/drawing/2010/main" val="0"/>
+              </a:ext>
+            </a:extLst>
+          </a:blip>
+          <a:srcRect/>
+          <a:stretch>
+            <a:fillRect/>
+          </a:stretch>
+        </p:blipFill>
+        <p:spPr bwMode="auto">
+          <a:xfrm>
+            <a:off x="5005940" y="2419045"/>
+            <a:ext cx="4129830" cy="2713888"/>
+          </a:xfrm>
+          <a:prstGeom prst="rect">
+            <a:avLst/>
+          </a:prstGeom>
+          <a:noFill/>
+          <a:extLst>
+            <a:ext uri="{909E8E84-426E-40DD-AFC4-6F175D3DCCD1}">
+              <a14:hiddenFill xmlns:a14="http://schemas.microsoft.com/office/drawing/2010/main">
+                <a:solidFill>
+                  <a:srgbClr val="FFFFFF"/>
+                </a:solidFill>
+              </a14:hiddenFill>
+            </a:ext>
+          </a:extLst>
+        </p:spPr>
+      </p:pic>
     </p:spTree>
     <p:extLst>
       <p:ext uri="{BB962C8B-B14F-4D97-AF65-F5344CB8AC3E}">
@@ -17823,6 +18155,126 @@
   <p:clrMapOvr>
     <a:masterClrMapping/>
   </p:clrMapOvr>
+  <p:timing>
+    <p:tnLst>
+      <p:par>
+        <p:cTn id="1" dur="indefinite" restart="never" nodeType="tmRoot">
+          <p:childTnLst>
+            <p:seq concurrent="1" nextAc="seek">
+              <p:cTn id="2" dur="indefinite" nodeType="mainSeq">
+                <p:childTnLst>
+                  <p:par>
+                    <p:cTn id="3" fill="hold">
+                      <p:stCondLst>
+                        <p:cond delay="indefinite"/>
+                      </p:stCondLst>
+                      <p:childTnLst>
+                        <p:par>
+                          <p:cTn id="4" fill="hold">
+                            <p:stCondLst>
+                              <p:cond delay="0"/>
+                            </p:stCondLst>
+                            <p:childTnLst>
+                              <p:par>
+                                <p:cTn id="5" presetID="1" presetClass="entr" presetSubtype="0" fill="hold" nodeType="clickEffect">
+                                  <p:stCondLst>
+                                    <p:cond delay="0"/>
+                                  </p:stCondLst>
+                                  <p:childTnLst>
+                                    <p:set>
+                                      <p:cBhvr>
+                                        <p:cTn id="6" dur="1" fill="hold">
+                                          <p:stCondLst>
+                                            <p:cond delay="0"/>
+                                          </p:stCondLst>
+                                        </p:cTn>
+                                        <p:tgtEl>
+                                          <p:spTgt spid="1026"/>
+                                        </p:tgtEl>
+                                        <p:attrNameLst>
+                                          <p:attrName>style.visibility</p:attrName>
+                                        </p:attrNameLst>
+                                      </p:cBhvr>
+                                      <p:to>
+                                        <p:strVal val="visible"/>
+                                      </p:to>
+                                    </p:set>
+                                  </p:childTnLst>
+                                </p:cTn>
+                              </p:par>
+                            </p:childTnLst>
+                          </p:cTn>
+                        </p:par>
+                      </p:childTnLst>
+                    </p:cTn>
+                  </p:par>
+                  <p:par>
+                    <p:cTn id="7" fill="hold">
+                      <p:stCondLst>
+                        <p:cond delay="indefinite"/>
+                      </p:stCondLst>
+                      <p:childTnLst>
+                        <p:par>
+                          <p:cTn id="8" fill="hold">
+                            <p:stCondLst>
+                              <p:cond delay="0"/>
+                            </p:stCondLst>
+                            <p:childTnLst>
+                              <p:par>
+                                <p:cTn id="9" presetID="1" presetClass="entr" presetSubtype="0" fill="hold" nodeType="clickEffect">
+                                  <p:stCondLst>
+                                    <p:cond delay="0"/>
+                                  </p:stCondLst>
+                                  <p:childTnLst>
+                                    <p:set>
+                                      <p:cBhvr>
+                                        <p:cTn id="10" dur="1" fill="hold">
+                                          <p:stCondLst>
+                                            <p:cond delay="0"/>
+                                          </p:stCondLst>
+                                        </p:cTn>
+                                        <p:tgtEl>
+                                          <p:spTgt spid="1028"/>
+                                        </p:tgtEl>
+                                        <p:attrNameLst>
+                                          <p:attrName>style.visibility</p:attrName>
+                                        </p:attrNameLst>
+                                      </p:cBhvr>
+                                      <p:to>
+                                        <p:strVal val="visible"/>
+                                      </p:to>
+                                    </p:set>
+                                  </p:childTnLst>
+                                </p:cTn>
+                              </p:par>
+                            </p:childTnLst>
+                          </p:cTn>
+                        </p:par>
+                      </p:childTnLst>
+                    </p:cTn>
+                  </p:par>
+                </p:childTnLst>
+              </p:cTn>
+              <p:prevCondLst>
+                <p:cond evt="onPrev" delay="0">
+                  <p:tgtEl>
+                    <p:sldTgt/>
+                  </p:tgtEl>
+                </p:cond>
+              </p:prevCondLst>
+              <p:nextCondLst>
+                <p:cond evt="onNext" delay="0">
+                  <p:tgtEl>
+                    <p:sldTgt/>
+                  </p:tgtEl>
+                </p:cond>
+              </p:nextCondLst>
+            </p:seq>
+          </p:childTnLst>
+        </p:cTn>
+      </p:par>
+    </p:tnLst>
+  </p:timing>
 </p:sld>
 </file>
 
@@ -17886,75 +18338,140 @@
         </p:spPr>
         <p:txBody>
           <a:bodyPr>
-            <a:normAutofit fontScale="70000" lnSpcReduction="20000"/>
+            <a:noAutofit/>
           </a:bodyPr>
           <a:lstStyle/>
           <a:p>
-            <a:r>
-              <a:rPr lang="ko-KR" altLang="ko-KR" dirty="0" err="1"/>
+            <a:pPr lvl="1">
+              <a:lnSpc>
+                <a:spcPts val="2300"/>
+              </a:lnSpc>
+            </a:pPr>
+            <a:r>
+              <a:rPr lang="ko-KR" altLang="ko-KR" sz="1800" dirty="0" err="1"/>
               <a:t>Character</a:t>
             </a:r>
             <a:r>
-              <a:rPr lang="ko-KR" altLang="ko-KR" dirty="0"/>
+              <a:rPr lang="ko-KR" altLang="ko-KR" sz="1800" dirty="0"/>
               <a:t> </a:t>
             </a:r>
             <a:r>
-              <a:rPr lang="ko-KR" altLang="ko-KR" dirty="0" err="1"/>
+              <a:rPr lang="ko-KR" altLang="ko-KR" sz="1800" dirty="0" err="1"/>
               <a:t>Recognition</a:t>
             </a:r>
             <a:r>
-              <a:rPr lang="ko-KR" altLang="ko-KR" dirty="0"/>
+              <a:rPr lang="ko-KR" altLang="ko-KR" sz="1800" dirty="0"/>
               <a:t> &amp; </a:t>
             </a:r>
             <a:r>
-              <a:rPr lang="ko-KR" altLang="ko-KR" dirty="0" err="1"/>
+              <a:rPr lang="ko-KR" altLang="ko-KR" sz="1800" dirty="0" err="1"/>
               <a:t>speech</a:t>
             </a:r>
             <a:r>
-              <a:rPr lang="ko-KR" altLang="ko-KR" dirty="0"/>
+              <a:rPr lang="ko-KR" altLang="ko-KR" sz="1800" dirty="0"/>
               <a:t> (글자 인식 및 읽어 주기)</a:t>
             </a:r>
-            <a:endParaRPr lang="en-US" altLang="ko-KR" dirty="0"/>
-          </a:p>
-          <a:p>
-            <a:endParaRPr lang="ko-KR" altLang="ko-KR" dirty="0"/>
-          </a:p>
-          <a:p>
-            <a:pPr lvl="1"/>
-            <a:r>
-              <a:rPr lang="ko-KR" altLang="ko-KR" dirty="0"/>
+            <a:endParaRPr lang="en-US" altLang="ko-KR" sz="1800" dirty="0"/>
+          </a:p>
+          <a:p>
+            <a:pPr lvl="1">
+              <a:lnSpc>
+                <a:spcPts val="2300"/>
+              </a:lnSpc>
+            </a:pPr>
+            <a:endParaRPr lang="ko-KR" altLang="ko-KR" sz="1800" dirty="0"/>
+          </a:p>
+          <a:p>
+            <a:pPr lvl="2">
+              <a:lnSpc>
+                <a:spcPts val="2300"/>
+              </a:lnSpc>
+            </a:pPr>
+            <a:r>
+              <a:rPr lang="ko-KR" altLang="ko-KR" sz="1400" dirty="0"/>
               <a:t>시각장애인은 점자 메뉴판이 없는 카페나 식당 등에서 주변의 도움 없이 메뉴를 고르는 일이 불가능하다. </a:t>
             </a:r>
-            <a:endParaRPr lang="en-US" altLang="ko-KR" dirty="0"/>
-          </a:p>
-          <a:p>
-            <a:pPr lvl="1"/>
-            <a:endParaRPr lang="en-US" altLang="ko-KR" dirty="0"/>
-          </a:p>
-          <a:p>
-            <a:pPr lvl="1"/>
-            <a:r>
-              <a:rPr lang="ko-KR" altLang="ko-KR" dirty="0"/>
+            <a:endParaRPr lang="en-US" altLang="ko-KR" sz="1400" dirty="0"/>
+          </a:p>
+          <a:p>
+            <a:pPr lvl="2">
+              <a:lnSpc>
+                <a:spcPts val="2300"/>
+              </a:lnSpc>
+            </a:pPr>
+            <a:endParaRPr lang="en-US" altLang="ko-KR" sz="1400" dirty="0"/>
+          </a:p>
+          <a:p>
+            <a:pPr lvl="2">
+              <a:lnSpc>
+                <a:spcPts val="2300"/>
+              </a:lnSpc>
+            </a:pPr>
+            <a:r>
+              <a:rPr lang="ko-KR" altLang="ko-KR" sz="1400" dirty="0"/>
               <a:t>또한 최근 무인화 추세에 따라 키오스크를 사용하는 곳이 많은데, 키오스크에는 대부분 점자와 음성안내 기술이 탑재돼 있지 않다.</a:t>
             </a:r>
-            <a:endParaRPr lang="en-US" altLang="ko-KR" dirty="0"/>
-          </a:p>
-          <a:p>
-            <a:pPr lvl="1"/>
-            <a:endParaRPr lang="en-US" altLang="ko-KR" dirty="0"/>
-          </a:p>
-          <a:p>
-            <a:pPr lvl="1"/>
-            <a:r>
-              <a:rPr lang="ko-KR" altLang="ko-KR" dirty="0"/>
+            <a:endParaRPr lang="en-US" altLang="ko-KR" sz="1400" dirty="0"/>
+          </a:p>
+          <a:p>
+            <a:pPr lvl="2">
+              <a:lnSpc>
+                <a:spcPts val="2300"/>
+              </a:lnSpc>
+            </a:pPr>
+            <a:endParaRPr lang="en-US" altLang="ko-KR" sz="1400" dirty="0"/>
+          </a:p>
+          <a:p>
+            <a:pPr lvl="2">
+              <a:lnSpc>
+                <a:spcPts val="2300"/>
+              </a:lnSpc>
+            </a:pPr>
+            <a:r>
+              <a:rPr lang="ko-KR" altLang="ko-KR" sz="1400" dirty="0"/>
               <a:t> 카메라에 보이는 글자를 인식한 후에 이를 읽어 주어 이에 대한 불편을 해소하도록 도와준다.</a:t>
             </a:r>
           </a:p>
           <a:p>
-            <a:endParaRPr lang="en-US" altLang="ko-KR" dirty="0"/>
+            <a:pPr lvl="1">
+              <a:lnSpc>
+                <a:spcPts val="2300"/>
+              </a:lnSpc>
+            </a:pPr>
+            <a:endParaRPr lang="en-US" altLang="ko-KR" sz="1800" dirty="0"/>
           </a:p>
         </p:txBody>
       </p:sp>
+      <p:pic>
+        <p:nvPicPr>
+          <p:cNvPr id="2" name="그림 1">
+            <a:extLst>
+              <a:ext uri="{FF2B5EF4-FFF2-40B4-BE49-F238E27FC236}">
+                <a16:creationId xmlns:a16="http://schemas.microsoft.com/office/drawing/2014/main" id="{9E9E7159-F632-4E4B-9F78-AE4FF3B528A2}"/>
+              </a:ext>
+            </a:extLst>
+          </p:cNvPr>
+          <p:cNvPicPr>
+            <a:picLocks noChangeAspect="1"/>
+          </p:cNvPicPr>
+          <p:nvPr/>
+        </p:nvPicPr>
+        <p:blipFill>
+          <a:blip r:embed="rId3"/>
+          <a:stretch>
+            <a:fillRect/>
+          </a:stretch>
+        </p:blipFill>
+        <p:spPr>
+          <a:xfrm>
+            <a:off x="1366942" y="103358"/>
+            <a:ext cx="7775233" cy="4936784"/>
+          </a:xfrm>
+          <a:prstGeom prst="rect">
+            <a:avLst/>
+          </a:prstGeom>
+        </p:spPr>
+      </p:pic>
     </p:spTree>
     <p:extLst>
       <p:ext uri="{BB962C8B-B14F-4D97-AF65-F5344CB8AC3E}">
@@ -17965,6 +18482,81 @@
   <p:clrMapOvr>
     <a:masterClrMapping/>
   </p:clrMapOvr>
+  <p:timing>
+    <p:tnLst>
+      <p:par>
+        <p:cTn id="1" dur="indefinite" restart="never" nodeType="tmRoot">
+          <p:childTnLst>
+            <p:seq concurrent="1" nextAc="seek">
+              <p:cTn id="2" dur="indefinite" nodeType="mainSeq">
+                <p:childTnLst>
+                  <p:par>
+                    <p:cTn id="3" fill="hold">
+                      <p:stCondLst>
+                        <p:cond delay="indefinite"/>
+                      </p:stCondLst>
+                      <p:childTnLst>
+                        <p:par>
+                          <p:cTn id="4" fill="hold">
+                            <p:stCondLst>
+                              <p:cond delay="0"/>
+                            </p:stCondLst>
+                            <p:childTnLst>
+                              <p:par>
+                                <p:cTn id="5" presetID="1" presetClass="entr" presetSubtype="0" fill="hold" nodeType="clickEffect">
+                                  <p:stCondLst>
+                                    <p:cond delay="0"/>
+                                  </p:stCondLst>
+                                  <p:childTnLst>
+                                    <p:set>
+                                      <p:cBhvr>
+                                        <p:cTn id="6" dur="1" fill="hold">
+                                          <p:stCondLst>
+                                            <p:cond delay="0"/>
+                                          </p:stCondLst>
+                                        </p:cTn>
+                                        <p:tgtEl>
+                                          <p:spTgt spid="2"/>
+                                        </p:tgtEl>
+                                        <p:attrNameLst>
+                                          <p:attrName>style.visibility</p:attrName>
+                                        </p:attrNameLst>
+                                      </p:cBhvr>
+                                      <p:to>
+                                        <p:strVal val="visible"/>
+                                      </p:to>
+                                    </p:set>
+                                  </p:childTnLst>
+                                </p:cTn>
+                              </p:par>
+                            </p:childTnLst>
+                          </p:cTn>
+                        </p:par>
+                      </p:childTnLst>
+                    </p:cTn>
+                  </p:par>
+                </p:childTnLst>
+              </p:cTn>
+              <p:prevCondLst>
+                <p:cond evt="onPrev" delay="0">
+                  <p:tgtEl>
+                    <p:sldTgt/>
+                  </p:tgtEl>
+                </p:cond>
+              </p:prevCondLst>
+              <p:nextCondLst>
+                <p:cond evt="onNext" delay="0">
+                  <p:tgtEl>
+                    <p:sldTgt/>
+                  </p:tgtEl>
+                </p:cond>
+              </p:nextCondLst>
+            </p:seq>
+          </p:childTnLst>
+        </p:cTn>
+      </p:par>
+    </p:tnLst>
+  </p:timing>
 </p:sld>
 </file>
 
